--- a/게임 프로그래밍 패턴.pptx
+++ b/게임 프로그래밍 패턴.pptx
@@ -109,10 +109,6 @@
     </a:lvl9pPr>
   </p:defaultTextStyle>
 </p:presentation>
-</file>
-
-<file path=ppt/revisionInfo.xml><?xml version="1.0" encoding="utf-8"?>
-<p1510:revInfo xmlns:a="http://schemas.openxmlformats.org/drawingml/2006/main" xmlns:r="http://schemas.openxmlformats.org/officeDocument/2006/relationships" xmlns:p1510="http://schemas.microsoft.com/office/powerpoint/2015/10/main"/>
 </file>
 
 <file path=ppt/slideLayouts/slideLayout1.xml><?xml version="1.0" encoding="utf-8"?>
@@ -3746,49 +3742,85 @@
           <a:lstStyle/>
           <a:p>
             <a:r>
-              <a:rPr lang="ko-KR" altLang="en-US" sz="1800"/>
+              <a:rPr lang="ko-KR" altLang="en-US" sz="1800" dirty="0"/>
               <a:t>두가지 색을 기준으로 색이 변하는 </a:t>
             </a:r>
             <a:r>
-              <a:rPr lang="en-US" altLang="ko-KR" sz="1800"/>
-              <a:t>‘PointEff’</a:t>
-            </a:r>
-            <a:r>
-              <a:rPr lang="ko-KR" altLang="en-US" sz="1800"/>
+              <a:rPr lang="en-US" altLang="ko-KR" sz="1800" dirty="0"/>
+              <a:t>‘</a:t>
+            </a:r>
+            <a:r>
+              <a:rPr lang="en-US" altLang="ko-KR" sz="1800" dirty="0" err="1"/>
+              <a:t>PointEff</a:t>
+            </a:r>
+            <a:r>
+              <a:rPr lang="en-US" altLang="ko-KR" sz="1800" dirty="0"/>
+              <a:t>’</a:t>
+            </a:r>
+            <a:r>
+              <a:rPr lang="ko-KR" altLang="en-US" sz="1800" dirty="0"/>
               <a:t>가 존재함</a:t>
             </a:r>
-            <a:endParaRPr lang="en-US" altLang="ko-KR" sz="1800"/>
-          </a:p>
-          <a:p>
-            <a:r>
-              <a:rPr lang="en-US" altLang="ko-KR" sz="1800"/>
-              <a:t>‘PointEff’</a:t>
-            </a:r>
-            <a:r>
-              <a:rPr lang="ko-KR" altLang="en-US" sz="1800"/>
-              <a:t>를 가지고 문양을 만들어내는 </a:t>
-            </a:r>
-            <a:r>
-              <a:rPr lang="en-US" altLang="ko-KR" sz="1800"/>
-              <a:t>‘CirEff’</a:t>
-            </a:r>
-            <a:r>
-              <a:rPr lang="ko-KR" altLang="en-US" sz="1800"/>
+            <a:endParaRPr lang="en-US" altLang="ko-KR" sz="1800" dirty="0"/>
+          </a:p>
+          <a:p>
+            <a:r>
+              <a:rPr lang="ko-KR" altLang="en-US" sz="1800" dirty="0"/>
+              <a:t>하나의 </a:t>
+            </a:r>
+            <a:r>
+              <a:rPr lang="en-US" altLang="ko-KR" sz="1800" dirty="0"/>
+              <a:t>‘</a:t>
+            </a:r>
+            <a:r>
+              <a:rPr lang="en-US" altLang="ko-KR" sz="1800" dirty="0" err="1"/>
+              <a:t>PointEff</a:t>
+            </a:r>
+            <a:r>
+              <a:rPr lang="en-US" altLang="ko-KR" sz="1800" dirty="0"/>
+              <a:t>’</a:t>
+            </a:r>
+            <a:r>
+              <a:rPr lang="ko-KR" altLang="en-US" sz="1800" dirty="0"/>
+              <a:t>를 가지고 문양을 </a:t>
+            </a:r>
+            <a:r>
+              <a:rPr lang="ko-KR" altLang="en-US" sz="1800" dirty="0" err="1"/>
+              <a:t>만들어나가는</a:t>
+            </a:r>
+            <a:r>
+              <a:rPr lang="ko-KR" altLang="en-US" sz="1800" dirty="0"/>
+              <a:t> </a:t>
+            </a:r>
+            <a:r>
+              <a:rPr lang="en-US" altLang="ko-KR" sz="1800" dirty="0"/>
+              <a:t>‘</a:t>
+            </a:r>
+            <a:r>
+              <a:rPr lang="en-US" altLang="ko-KR" sz="1800" dirty="0" err="1"/>
+              <a:t>CirEff</a:t>
+            </a:r>
+            <a:r>
+              <a:rPr lang="en-US" altLang="ko-KR" sz="1800" dirty="0"/>
+              <a:t>’</a:t>
+            </a:r>
+            <a:r>
+              <a:rPr lang="ko-KR" altLang="en-US" sz="1800" dirty="0"/>
               <a:t>가 존재함</a:t>
             </a:r>
-            <a:endParaRPr lang="en-US" altLang="ko-KR" sz="1800"/>
-          </a:p>
-          <a:p>
-            <a:endParaRPr lang="en-US" altLang="ko-KR" sz="1800"/>
-          </a:p>
-          <a:p>
-            <a:r>
-              <a:rPr lang="en-US" altLang="ko-KR" sz="1800"/>
+            <a:endParaRPr lang="en-US" altLang="ko-KR" sz="1800" dirty="0"/>
+          </a:p>
+          <a:p>
+            <a:endParaRPr lang="en-US" altLang="ko-KR" sz="1800" dirty="0"/>
+          </a:p>
+          <a:p>
+            <a:r>
+              <a:rPr lang="en-US" altLang="ko-KR" sz="1800" dirty="0"/>
               <a:t>+</a:t>
             </a:r>
           </a:p>
           <a:p>
-            <a:endParaRPr lang="ko-KR" altLang="en-US" sz="1800"/>
+            <a:endParaRPr lang="ko-KR" altLang="en-US" sz="1800" dirty="0"/>
           </a:p>
         </p:txBody>
       </p:sp>

--- a/게임 프로그래밍 패턴.pptx
+++ b/게임 프로그래밍 패턴.pptx
@@ -7,9 +7,12 @@
   <p:sldIdLst>
     <p:sldId id="256" r:id="rId2"/>
     <p:sldId id="261" r:id="rId3"/>
-    <p:sldId id="257" r:id="rId4"/>
-    <p:sldId id="259" r:id="rId5"/>
-    <p:sldId id="258" r:id="rId6"/>
+    <p:sldId id="262" r:id="rId4"/>
+    <p:sldId id="257" r:id="rId5"/>
+    <p:sldId id="259" r:id="rId6"/>
+    <p:sldId id="263" r:id="rId7"/>
+    <p:sldId id="264" r:id="rId8"/>
+    <p:sldId id="258" r:id="rId9"/>
   </p:sldIdLst>
   <p:sldSz cx="12192000" cy="6858000"/>
   <p:notesSz cx="6858000" cy="9144000"/>
@@ -108,7 +111,16 @@
       </a:defRPr>
     </a:lvl9pPr>
   </p:defaultTextStyle>
+  <p:extLst>
+    <p:ext uri="{EFAFB233-063F-42B5-8137-9DF3F51BA10A}">
+      <p15:sldGuideLst xmlns:p15="http://schemas.microsoft.com/office/powerpoint/2012/main"/>
+    </p:ext>
+  </p:extLst>
 </p:presentation>
+</file>
+
+<file path=ppt/revisionInfo.xml><?xml version="1.0" encoding="utf-8"?>
+<p1510:revInfo xmlns:a="http://schemas.openxmlformats.org/drawingml/2006/main" xmlns:r="http://schemas.openxmlformats.org/officeDocument/2006/relationships" xmlns:p1510="http://schemas.microsoft.com/office/powerpoint/2015/10/main"/>
 </file>
 
 <file path=ppt/slideLayouts/slideLayout1.xml><?xml version="1.0" encoding="utf-8"?>
@@ -3648,36 +3660,6 @@
           <a:chExt cx="0" cy="0"/>
         </a:xfrm>
       </p:grpSpPr>
-      <p:pic>
-        <p:nvPicPr>
-          <p:cNvPr id="4" name="그림 3">
-            <a:extLst>
-              <a:ext uri="{FF2B5EF4-FFF2-40B4-BE49-F238E27FC236}">
-                <a16:creationId xmlns:a16="http://schemas.microsoft.com/office/drawing/2014/main" id="{BE6986C5-651F-40F8-B7E6-D163EEEF2525}"/>
-              </a:ext>
-            </a:extLst>
-          </p:cNvPr>
-          <p:cNvPicPr>
-            <a:picLocks noChangeAspect="1"/>
-          </p:cNvPicPr>
-          <p:nvPr/>
-        </p:nvPicPr>
-        <p:blipFill rotWithShape="1">
-          <a:blip r:embed="rId2"/>
-          <a:srcRect l="1051" r="1299" b="-2"/>
-          <a:stretch/>
-        </p:blipFill>
-        <p:spPr>
-          <a:xfrm>
-            <a:off x="4636008" y="640082"/>
-            <a:ext cx="6916329" cy="5577837"/>
-          </a:xfrm>
-          <a:prstGeom prst="rect">
-            <a:avLst/>
-          </a:prstGeom>
-          <a:effectLst/>
-        </p:spPr>
-      </p:pic>
       <p:sp>
         <p:nvSpPr>
           <p:cNvPr id="2" name="제목 1">
@@ -3782,15 +3764,7 @@
             </a:r>
             <a:r>
               <a:rPr lang="ko-KR" altLang="en-US" sz="1800" dirty="0"/>
-              <a:t>를 가지고 문양을 </a:t>
-            </a:r>
-            <a:r>
-              <a:rPr lang="ko-KR" altLang="en-US" sz="1800" dirty="0" err="1"/>
-              <a:t>만들어나가는</a:t>
-            </a:r>
-            <a:r>
-              <a:rPr lang="ko-KR" altLang="en-US" sz="1800" dirty="0"/>
-              <a:t> </a:t>
+              <a:t>를 가지고 문양을 생성하는  </a:t>
             </a:r>
             <a:r>
               <a:rPr lang="en-US" altLang="ko-KR" sz="1800" dirty="0"/>
@@ -3816,14 +3790,69 @@
           <a:p>
             <a:r>
               <a:rPr lang="en-US" altLang="ko-KR" sz="1800" dirty="0"/>
-              <a:t>+</a:t>
-            </a:r>
-          </a:p>
-          <a:p>
-            <a:endParaRPr lang="ko-KR" altLang="en-US" sz="1800" dirty="0"/>
-          </a:p>
-        </p:txBody>
-      </p:sp>
+              <a:t>‘</a:t>
+            </a:r>
+            <a:r>
+              <a:rPr lang="en-US" altLang="ko-KR" sz="1800" dirty="0" err="1"/>
+              <a:t>CirEff</a:t>
+            </a:r>
+            <a:r>
+              <a:rPr lang="en-US" altLang="ko-KR" sz="1800" dirty="0"/>
+              <a:t>’</a:t>
+            </a:r>
+            <a:r>
+              <a:rPr lang="ko-KR" altLang="en-US" sz="1800" dirty="0"/>
+              <a:t>는 생성</a:t>
+            </a:r>
+            <a:r>
+              <a:rPr lang="en-US" altLang="ko-KR" sz="1800" dirty="0"/>
+              <a:t>, </a:t>
+            </a:r>
+            <a:r>
+              <a:rPr lang="ko-KR" altLang="en-US" sz="1800" dirty="0"/>
+              <a:t>삭제 행동이 존재함</a:t>
+            </a:r>
+          </a:p>
+        </p:txBody>
+      </p:sp>
+      <p:pic>
+        <p:nvPicPr>
+          <p:cNvPr id="6" name="bandicam 2018-01-08 14-28-16-611">
+            <a:hlinkClick r:id="" action="ppaction://media"/>
+            <a:extLst>
+              <a:ext uri="{FF2B5EF4-FFF2-40B4-BE49-F238E27FC236}">
+                <a16:creationId xmlns:a16="http://schemas.microsoft.com/office/drawing/2014/main" id="{AE32FD00-814F-4C26-8E31-1207D1FCD189}"/>
+              </a:ext>
+            </a:extLst>
+          </p:cNvPr>
+          <p:cNvPicPr>
+            <a:picLocks noChangeAspect="1"/>
+          </p:cNvPicPr>
+          <p:nvPr>
+            <a:videoFile r:link="rId2"/>
+            <p:extLst>
+              <p:ext uri="{DAA4B4D4-6D71-4841-9C94-3DE7FCFB9230}">
+                <p14:media xmlns:p14="http://schemas.microsoft.com/office/powerpoint/2010/main" r:embed="rId1"/>
+              </p:ext>
+            </p:extLst>
+          </p:nvPr>
+        </p:nvPicPr>
+        <p:blipFill>
+          <a:blip r:embed="rId4"/>
+          <a:stretch>
+            <a:fillRect/>
+          </a:stretch>
+        </p:blipFill>
+        <p:spPr>
+          <a:xfrm>
+            <a:off x="4538786" y="757123"/>
+            <a:ext cx="7125004" cy="5343753"/>
+          </a:xfrm>
+          <a:prstGeom prst="rect">
+            <a:avLst/>
+          </a:prstGeom>
+        </p:spPr>
+      </p:pic>
     </p:spTree>
     <p:extLst>
       <p:ext uri="{BB962C8B-B14F-4D97-AF65-F5344CB8AC3E}">
@@ -3834,10 +3863,237 @@
   <p:clrMapOvr>
     <a:masterClrMapping/>
   </p:clrMapOvr>
+  <p:timing>
+    <p:tnLst>
+      <p:par>
+        <p:cTn id="1" dur="indefinite" restart="never" nodeType="tmRoot">
+          <p:childTnLst>
+            <p:seq concurrent="1" nextAc="seek">
+              <p:cTn id="2" dur="indefinite" nodeType="mainSeq">
+                <p:childTnLst>
+                  <p:par>
+                    <p:cTn id="3" fill="hold">
+                      <p:stCondLst>
+                        <p:cond delay="indefinite"/>
+                      </p:stCondLst>
+                      <p:childTnLst>
+                        <p:par>
+                          <p:cTn id="4" fill="hold">
+                            <p:stCondLst>
+                              <p:cond delay="0"/>
+                            </p:stCondLst>
+                            <p:childTnLst>
+                              <p:par>
+                                <p:cTn id="5" presetID="1" presetClass="mediacall" presetSubtype="0" fill="hold" nodeType="clickEffect">
+                                  <p:stCondLst>
+                                    <p:cond delay="0"/>
+                                  </p:stCondLst>
+                                  <p:childTnLst>
+                                    <p:cmd type="call" cmd="playFrom(0.0)">
+                                      <p:cBhvr>
+                                        <p:cTn id="6" dur="19467" fill="hold"/>
+                                        <p:tgtEl>
+                                          <p:spTgt spid="6"/>
+                                        </p:tgtEl>
+                                      </p:cBhvr>
+                                    </p:cmd>
+                                  </p:childTnLst>
+                                </p:cTn>
+                              </p:par>
+                            </p:childTnLst>
+                          </p:cTn>
+                        </p:par>
+                      </p:childTnLst>
+                    </p:cTn>
+                  </p:par>
+                </p:childTnLst>
+              </p:cTn>
+              <p:prevCondLst>
+                <p:cond evt="onPrev" delay="0">
+                  <p:tgtEl>
+                    <p:sldTgt/>
+                  </p:tgtEl>
+                </p:cond>
+              </p:prevCondLst>
+              <p:nextCondLst>
+                <p:cond evt="onNext" delay="0">
+                  <p:tgtEl>
+                    <p:sldTgt/>
+                  </p:tgtEl>
+                </p:cond>
+              </p:nextCondLst>
+            </p:seq>
+            <p:video>
+              <p:cMediaNode vol="80000">
+                <p:cTn id="7" fill="hold" display="0">
+                  <p:stCondLst>
+                    <p:cond delay="indefinite"/>
+                  </p:stCondLst>
+                </p:cTn>
+                <p:tgtEl>
+                  <p:spTgt spid="6"/>
+                </p:tgtEl>
+              </p:cMediaNode>
+            </p:video>
+            <p:seq concurrent="1" nextAc="seek">
+              <p:cTn id="8" restart="whenNotActive" fill="hold" evtFilter="cancelBubble" nodeType="interactiveSeq">
+                <p:stCondLst>
+                  <p:cond evt="onClick" delay="0">
+                    <p:tgtEl>
+                      <p:spTgt spid="6"/>
+                    </p:tgtEl>
+                  </p:cond>
+                </p:stCondLst>
+                <p:endSync evt="end" delay="0">
+                  <p:rtn val="all"/>
+                </p:endSync>
+                <p:childTnLst>
+                  <p:par>
+                    <p:cTn id="9" fill="hold">
+                      <p:stCondLst>
+                        <p:cond delay="0"/>
+                      </p:stCondLst>
+                      <p:childTnLst>
+                        <p:par>
+                          <p:cTn id="10" fill="hold">
+                            <p:stCondLst>
+                              <p:cond delay="0"/>
+                            </p:stCondLst>
+                            <p:childTnLst>
+                              <p:par>
+                                <p:cTn id="11" presetID="2" presetClass="mediacall" presetSubtype="0" fill="hold" nodeType="clickEffect">
+                                  <p:stCondLst>
+                                    <p:cond delay="0"/>
+                                  </p:stCondLst>
+                                  <p:childTnLst>
+                                    <p:cmd type="call" cmd="togglePause">
+                                      <p:cBhvr>
+                                        <p:cTn id="12" dur="1" fill="hold"/>
+                                        <p:tgtEl>
+                                          <p:spTgt spid="6"/>
+                                        </p:tgtEl>
+                                      </p:cBhvr>
+                                    </p:cmd>
+                                  </p:childTnLst>
+                                </p:cTn>
+                              </p:par>
+                            </p:childTnLst>
+                          </p:cTn>
+                        </p:par>
+                      </p:childTnLst>
+                    </p:cTn>
+                  </p:par>
+                </p:childTnLst>
+              </p:cTn>
+              <p:nextCondLst>
+                <p:cond evt="onClick" delay="0">
+                  <p:tgtEl>
+                    <p:spTgt spid="6"/>
+                  </p:tgtEl>
+                </p:cond>
+              </p:nextCondLst>
+            </p:seq>
+          </p:childTnLst>
+        </p:cTn>
+      </p:par>
+    </p:tnLst>
+  </p:timing>
 </p:sld>
 </file>
 
 <file path=ppt/slides/slide3.xml><?xml version="1.0" encoding="utf-8"?>
+<p:sld xmlns:a="http://schemas.openxmlformats.org/drawingml/2006/main" xmlns:r="http://schemas.openxmlformats.org/officeDocument/2006/relationships" xmlns:p="http://schemas.openxmlformats.org/presentationml/2006/main">
+  <p:cSld>
+    <p:spTree>
+      <p:nvGrpSpPr>
+        <p:cNvPr id="1" name=""/>
+        <p:cNvGrpSpPr/>
+        <p:nvPr/>
+      </p:nvGrpSpPr>
+      <p:grpSpPr>
+        <a:xfrm>
+          <a:off x="0" y="0"/>
+          <a:ext cx="0" cy="0"/>
+          <a:chOff x="0" y="0"/>
+          <a:chExt cx="0" cy="0"/>
+        </a:xfrm>
+      </p:grpSpPr>
+      <p:sp>
+        <p:nvSpPr>
+          <p:cNvPr id="2" name="제목 1">
+            <a:extLst>
+              <a:ext uri="{FF2B5EF4-FFF2-40B4-BE49-F238E27FC236}">
+                <a16:creationId xmlns:a16="http://schemas.microsoft.com/office/drawing/2014/main" id="{798E67AD-449C-4780-A818-8546479A22AB}"/>
+              </a:ext>
+            </a:extLst>
+          </p:cNvPr>
+          <p:cNvSpPr>
+            <a:spLocks noGrp="1"/>
+          </p:cNvSpPr>
+          <p:nvPr>
+            <p:ph type="title"/>
+          </p:nvPr>
+        </p:nvSpPr>
+        <p:spPr/>
+        <p:txBody>
+          <a:bodyPr/>
+          <a:lstStyle/>
+          <a:p>
+            <a:r>
+              <a:rPr lang="ko-KR" altLang="en-US" dirty="0"/>
+              <a:t>클래스 정보</a:t>
+            </a:r>
+          </a:p>
+        </p:txBody>
+      </p:sp>
+      <p:pic>
+        <p:nvPicPr>
+          <p:cNvPr id="5" name="내용 개체 틀 4" descr="스크린샷이(가) 표시된 사진&#10;&#10;매우 높은 신뢰도로 생성된 설명">
+            <a:extLst>
+              <a:ext uri="{FF2B5EF4-FFF2-40B4-BE49-F238E27FC236}">
+                <a16:creationId xmlns:a16="http://schemas.microsoft.com/office/drawing/2014/main" id="{911848CD-1FEF-47F5-B038-502F828C0171}"/>
+              </a:ext>
+            </a:extLst>
+          </p:cNvPr>
+          <p:cNvPicPr>
+            <a:picLocks noGrp="1" noChangeAspect="1"/>
+          </p:cNvPicPr>
+          <p:nvPr>
+            <p:ph idx="1"/>
+          </p:nvPr>
+        </p:nvPicPr>
+        <p:blipFill rotWithShape="1">
+          <a:blip r:embed="rId2">
+            <a:extLst>
+              <a:ext uri="{28A0092B-C50C-407E-A947-70E740481C1C}">
+                <a14:useLocalDpi xmlns:a14="http://schemas.microsoft.com/office/drawing/2010/main" val="0"/>
+              </a:ext>
+            </a:extLst>
+          </a:blip>
+          <a:srcRect r="38558"/>
+          <a:stretch/>
+        </p:blipFill>
+        <p:spPr>
+          <a:xfrm>
+            <a:off x="838200" y="2190962"/>
+            <a:ext cx="3620807" cy="1955901"/>
+          </a:xfrm>
+        </p:spPr>
+      </p:pic>
+    </p:spTree>
+    <p:extLst>
+      <p:ext uri="{BB962C8B-B14F-4D97-AF65-F5344CB8AC3E}">
+        <p14:creationId xmlns:p14="http://schemas.microsoft.com/office/powerpoint/2010/main" val="3793889843"/>
+      </p:ext>
+    </p:extLst>
+  </p:cSld>
+  <p:clrMapOvr>
+    <a:masterClrMapping/>
+  </p:clrMapOvr>
+</p:sld>
+</file>
+
+<file path=ppt/slides/slide4.xml><?xml version="1.0" encoding="utf-8"?>
 <p:sld xmlns:a="http://schemas.openxmlformats.org/drawingml/2006/main" xmlns:r="http://schemas.openxmlformats.org/officeDocument/2006/relationships" xmlns:p="http://schemas.openxmlformats.org/presentationml/2006/main">
   <p:cSld>
     <p:bg>
@@ -4105,7 +4361,7 @@
 </p:sld>
 </file>
 
-<file path=ppt/slides/slide4.xml><?xml version="1.0" encoding="utf-8"?>
+<file path=ppt/slides/slide5.xml><?xml version="1.0" encoding="utf-8"?>
 <p:sld xmlns:a="http://schemas.openxmlformats.org/drawingml/2006/main" xmlns:r="http://schemas.openxmlformats.org/officeDocument/2006/relationships" xmlns:p="http://schemas.openxmlformats.org/presentationml/2006/main">
   <p:cSld>
     <p:spTree>
@@ -4196,7 +4452,853 @@
 </p:sld>
 </file>
 
-<file path=ppt/slides/slide5.xml><?xml version="1.0" encoding="utf-8"?>
+<file path=ppt/slides/slide6.xml><?xml version="1.0" encoding="utf-8"?>
+<p:sld xmlns:a="http://schemas.openxmlformats.org/drawingml/2006/main" xmlns:r="http://schemas.openxmlformats.org/officeDocument/2006/relationships" xmlns:p="http://schemas.openxmlformats.org/presentationml/2006/main">
+  <p:cSld>
+    <p:spTree>
+      <p:nvGrpSpPr>
+        <p:cNvPr id="1" name=""/>
+        <p:cNvGrpSpPr/>
+        <p:nvPr/>
+      </p:nvGrpSpPr>
+      <p:grpSpPr>
+        <a:xfrm>
+          <a:off x="0" y="0"/>
+          <a:ext cx="0" cy="0"/>
+          <a:chOff x="0" y="0"/>
+          <a:chExt cx="0" cy="0"/>
+        </a:xfrm>
+      </p:grpSpPr>
+      <p:sp>
+        <p:nvSpPr>
+          <p:cNvPr id="2" name="제목 1">
+            <a:extLst>
+              <a:ext uri="{FF2B5EF4-FFF2-40B4-BE49-F238E27FC236}">
+                <a16:creationId xmlns:a16="http://schemas.microsoft.com/office/drawing/2014/main" id="{E2C8170E-0A20-4946-9909-9263F6BB8CFB}"/>
+              </a:ext>
+            </a:extLst>
+          </p:cNvPr>
+          <p:cNvSpPr>
+            <a:spLocks noGrp="1"/>
+          </p:cNvSpPr>
+          <p:nvPr>
+            <p:ph type="title"/>
+          </p:nvPr>
+        </p:nvSpPr>
+        <p:spPr/>
+        <p:txBody>
+          <a:bodyPr/>
+          <a:lstStyle/>
+          <a:p>
+            <a:r>
+              <a:rPr lang="ko-KR" altLang="en-US" dirty="0"/>
+              <a:t>프로토타입 패턴</a:t>
+            </a:r>
+          </a:p>
+        </p:txBody>
+      </p:sp>
+      <p:sp>
+        <p:nvSpPr>
+          <p:cNvPr id="3" name="내용 개체 틀 2">
+            <a:extLst>
+              <a:ext uri="{FF2B5EF4-FFF2-40B4-BE49-F238E27FC236}">
+                <a16:creationId xmlns:a16="http://schemas.microsoft.com/office/drawing/2014/main" id="{22E8B7BF-77CD-4749-8685-1F158530D1E8}"/>
+              </a:ext>
+            </a:extLst>
+          </p:cNvPr>
+          <p:cNvSpPr>
+            <a:spLocks noGrp="1"/>
+          </p:cNvSpPr>
+          <p:nvPr>
+            <p:ph idx="1"/>
+          </p:nvPr>
+        </p:nvSpPr>
+        <p:spPr/>
+        <p:txBody>
+          <a:bodyPr/>
+          <a:lstStyle/>
+          <a:p>
+            <a:r>
+              <a:rPr lang="ko-KR" altLang="en-US" dirty="0"/>
+              <a:t>프로토타입을 복사해서 새로운 객체를 만들어내는 것</a:t>
+            </a:r>
+            <a:r>
+              <a:rPr lang="en-US" altLang="ko-KR" dirty="0"/>
+              <a:t>.</a:t>
+            </a:r>
+            <a:endParaRPr lang="ko-KR" altLang="en-US" dirty="0"/>
+          </a:p>
+          <a:p>
+            <a:endParaRPr lang="ko-KR" altLang="en-US" dirty="0"/>
+          </a:p>
+        </p:txBody>
+      </p:sp>
+      <p:grpSp>
+        <p:nvGrpSpPr>
+          <p:cNvPr id="21" name="그룹 20">
+            <a:extLst>
+              <a:ext uri="{FF2B5EF4-FFF2-40B4-BE49-F238E27FC236}">
+                <a16:creationId xmlns:a16="http://schemas.microsoft.com/office/drawing/2014/main" id="{72C35F49-C42D-431F-9007-3762CFFA2DCF}"/>
+              </a:ext>
+            </a:extLst>
+          </p:cNvPr>
+          <p:cNvGrpSpPr/>
+          <p:nvPr/>
+        </p:nvGrpSpPr>
+        <p:grpSpPr>
+          <a:xfrm>
+            <a:off x="1705696" y="3165034"/>
+            <a:ext cx="1210203" cy="1423127"/>
+            <a:chOff x="1252958" y="3104982"/>
+            <a:chExt cx="1210203" cy="1423127"/>
+          </a:xfrm>
+        </p:grpSpPr>
+        <p:sp>
+          <p:nvSpPr>
+            <p:cNvPr id="5" name="타원 4">
+              <a:extLst>
+                <a:ext uri="{FF2B5EF4-FFF2-40B4-BE49-F238E27FC236}">
+                  <a16:creationId xmlns:a16="http://schemas.microsoft.com/office/drawing/2014/main" id="{1A3A1F9B-586E-435D-A5F7-0EFCF651E5E6}"/>
+                </a:ext>
+              </a:extLst>
+            </p:cNvPr>
+            <p:cNvSpPr/>
+            <p:nvPr/>
+          </p:nvSpPr>
+          <p:spPr>
+            <a:xfrm>
+              <a:off x="1678060" y="3821294"/>
+              <a:ext cx="360000" cy="360000"/>
+            </a:xfrm>
+            <a:prstGeom prst="ellipse">
+              <a:avLst/>
+            </a:prstGeom>
+            <a:ln>
+              <a:noFill/>
+            </a:ln>
+          </p:spPr>
+          <p:style>
+            <a:lnRef idx="2">
+              <a:schemeClr val="accent1">
+                <a:shade val="50000"/>
+              </a:schemeClr>
+            </a:lnRef>
+            <a:fillRef idx="1">
+              <a:schemeClr val="accent1"/>
+            </a:fillRef>
+            <a:effectRef idx="0">
+              <a:schemeClr val="accent1"/>
+            </a:effectRef>
+            <a:fontRef idx="minor">
+              <a:schemeClr val="lt1"/>
+            </a:fontRef>
+          </p:style>
+          <p:txBody>
+            <a:bodyPr rtlCol="0" anchor="ctr"/>
+            <a:lstStyle/>
+            <a:p>
+              <a:pPr algn="ctr"/>
+              <a:endParaRPr lang="ko-KR" altLang="en-US" dirty="0"/>
+            </a:p>
+          </p:txBody>
+        </p:sp>
+        <p:grpSp>
+          <p:nvGrpSpPr>
+            <p:cNvPr id="9" name="그룹 8">
+              <a:extLst>
+                <a:ext uri="{FF2B5EF4-FFF2-40B4-BE49-F238E27FC236}">
+                  <a16:creationId xmlns:a16="http://schemas.microsoft.com/office/drawing/2014/main" id="{5A8DD37B-D06E-42E9-B3EA-E4BBC228389D}"/>
+                </a:ext>
+              </a:extLst>
+            </p:cNvPr>
+            <p:cNvGrpSpPr/>
+            <p:nvPr/>
+          </p:nvGrpSpPr>
+          <p:grpSpPr>
+            <a:xfrm>
+              <a:off x="1252958" y="3104982"/>
+              <a:ext cx="1210203" cy="1423127"/>
+              <a:chOff x="1252958" y="3104982"/>
+              <a:chExt cx="1210203" cy="1423127"/>
+            </a:xfrm>
+          </p:grpSpPr>
+          <p:sp>
+            <p:nvSpPr>
+              <p:cNvPr id="7" name="사각형: 둥근 모서리 6">
+                <a:extLst>
+                  <a:ext uri="{FF2B5EF4-FFF2-40B4-BE49-F238E27FC236}">
+                    <a16:creationId xmlns:a16="http://schemas.microsoft.com/office/drawing/2014/main" id="{2CB1D532-8E1F-4F53-BE04-8EF63975C948}"/>
+                  </a:ext>
+                </a:extLst>
+              </p:cNvPr>
+              <p:cNvSpPr/>
+              <p:nvPr/>
+            </p:nvSpPr>
+            <p:spPr>
+              <a:xfrm>
+                <a:off x="1338682" y="3496666"/>
+                <a:ext cx="1038758" cy="1031443"/>
+              </a:xfrm>
+              <a:prstGeom prst="roundRect">
+                <a:avLst/>
+              </a:prstGeom>
+              <a:noFill/>
+              <a:ln w="41275">
+                <a:prstDash val="dash"/>
+              </a:ln>
+            </p:spPr>
+            <p:style>
+              <a:lnRef idx="2">
+                <a:schemeClr val="accent1">
+                  <a:shade val="50000"/>
+                </a:schemeClr>
+              </a:lnRef>
+              <a:fillRef idx="1">
+                <a:schemeClr val="accent1"/>
+              </a:fillRef>
+              <a:effectRef idx="0">
+                <a:schemeClr val="accent1"/>
+              </a:effectRef>
+              <a:fontRef idx="minor">
+                <a:schemeClr val="lt1"/>
+              </a:fontRef>
+            </p:style>
+            <p:txBody>
+              <a:bodyPr rtlCol="0" anchor="ctr"/>
+              <a:lstStyle/>
+              <a:p>
+                <a:pPr algn="ctr"/>
+                <a:endParaRPr lang="ko-KR" altLang="en-US" dirty="0"/>
+              </a:p>
+            </p:txBody>
+          </p:sp>
+          <p:sp>
+            <p:nvSpPr>
+              <p:cNvPr id="8" name="TextBox 7">
+                <a:extLst>
+                  <a:ext uri="{FF2B5EF4-FFF2-40B4-BE49-F238E27FC236}">
+                    <a16:creationId xmlns:a16="http://schemas.microsoft.com/office/drawing/2014/main" id="{CCDACE5E-4858-421C-8055-A883CB5EF7A0}"/>
+                  </a:ext>
+                </a:extLst>
+              </p:cNvPr>
+              <p:cNvSpPr txBox="1"/>
+              <p:nvPr/>
+            </p:nvSpPr>
+            <p:spPr>
+              <a:xfrm>
+                <a:off x="1252958" y="3104982"/>
+                <a:ext cx="1210203" cy="369332"/>
+              </a:xfrm>
+              <a:prstGeom prst="rect">
+                <a:avLst/>
+              </a:prstGeom>
+              <a:noFill/>
+            </p:spPr>
+            <p:txBody>
+              <a:bodyPr wrap="none" rtlCol="0">
+                <a:spAutoFit/>
+              </a:bodyPr>
+              <a:lstStyle/>
+              <a:p>
+                <a:r>
+                  <a:rPr lang="en-US" altLang="ko-KR" dirty="0"/>
+                  <a:t>prototype</a:t>
+                </a:r>
+                <a:endParaRPr lang="ko-KR" altLang="en-US" dirty="0"/>
+              </a:p>
+            </p:txBody>
+          </p:sp>
+        </p:grpSp>
+      </p:grpSp>
+      <p:grpSp>
+        <p:nvGrpSpPr>
+          <p:cNvPr id="19" name="그룹 18">
+            <a:extLst>
+              <a:ext uri="{FF2B5EF4-FFF2-40B4-BE49-F238E27FC236}">
+                <a16:creationId xmlns:a16="http://schemas.microsoft.com/office/drawing/2014/main" id="{EEA89608-283B-43E0-81F7-28C355EBA0C0}"/>
+              </a:ext>
+            </a:extLst>
+          </p:cNvPr>
+          <p:cNvGrpSpPr/>
+          <p:nvPr/>
+        </p:nvGrpSpPr>
+        <p:grpSpPr>
+          <a:xfrm>
+            <a:off x="4499410" y="3306772"/>
+            <a:ext cx="2149343" cy="1821389"/>
+            <a:chOff x="3239183" y="3832387"/>
+            <a:chExt cx="2149343" cy="1821389"/>
+          </a:xfrm>
+        </p:grpSpPr>
+        <p:sp>
+          <p:nvSpPr>
+            <p:cNvPr id="10" name="타원 9">
+              <a:extLst>
+                <a:ext uri="{FF2B5EF4-FFF2-40B4-BE49-F238E27FC236}">
+                  <a16:creationId xmlns:a16="http://schemas.microsoft.com/office/drawing/2014/main" id="{A1697F88-41A5-43A1-A98C-B59F67A02E95}"/>
+                </a:ext>
+              </a:extLst>
+            </p:cNvPr>
+            <p:cNvSpPr/>
+            <p:nvPr/>
+          </p:nvSpPr>
+          <p:spPr>
+            <a:xfrm>
+              <a:off x="3446783" y="4055069"/>
+              <a:ext cx="360000" cy="360000"/>
+            </a:xfrm>
+            <a:prstGeom prst="ellipse">
+              <a:avLst/>
+            </a:prstGeom>
+            <a:ln>
+              <a:noFill/>
+            </a:ln>
+          </p:spPr>
+          <p:style>
+            <a:lnRef idx="2">
+              <a:schemeClr val="accent1">
+                <a:shade val="50000"/>
+              </a:schemeClr>
+            </a:lnRef>
+            <a:fillRef idx="1">
+              <a:schemeClr val="accent1"/>
+            </a:fillRef>
+            <a:effectRef idx="0">
+              <a:schemeClr val="accent1"/>
+            </a:effectRef>
+            <a:fontRef idx="minor">
+              <a:schemeClr val="lt1"/>
+            </a:fontRef>
+          </p:style>
+          <p:txBody>
+            <a:bodyPr rtlCol="0" anchor="ctr"/>
+            <a:lstStyle/>
+            <a:p>
+              <a:pPr algn="ctr"/>
+              <a:endParaRPr lang="ko-KR" altLang="en-US" dirty="0"/>
+            </a:p>
+          </p:txBody>
+        </p:sp>
+        <p:sp>
+          <p:nvSpPr>
+            <p:cNvPr id="11" name="타원 10">
+              <a:extLst>
+                <a:ext uri="{FF2B5EF4-FFF2-40B4-BE49-F238E27FC236}">
+                  <a16:creationId xmlns:a16="http://schemas.microsoft.com/office/drawing/2014/main" id="{30F18E8A-711A-41BE-ACF1-C65BF6354DE8}"/>
+                </a:ext>
+              </a:extLst>
+            </p:cNvPr>
+            <p:cNvSpPr/>
+            <p:nvPr/>
+          </p:nvSpPr>
+          <p:spPr>
+            <a:xfrm>
+              <a:off x="3936941" y="4505161"/>
+              <a:ext cx="360000" cy="360000"/>
+            </a:xfrm>
+            <a:prstGeom prst="ellipse">
+              <a:avLst/>
+            </a:prstGeom>
+            <a:ln>
+              <a:noFill/>
+            </a:ln>
+          </p:spPr>
+          <p:style>
+            <a:lnRef idx="2">
+              <a:schemeClr val="accent1">
+                <a:shade val="50000"/>
+              </a:schemeClr>
+            </a:lnRef>
+            <a:fillRef idx="1">
+              <a:schemeClr val="accent1"/>
+            </a:fillRef>
+            <a:effectRef idx="0">
+              <a:schemeClr val="accent1"/>
+            </a:effectRef>
+            <a:fontRef idx="minor">
+              <a:schemeClr val="lt1"/>
+            </a:fontRef>
+          </p:style>
+          <p:txBody>
+            <a:bodyPr rtlCol="0" anchor="ctr"/>
+            <a:lstStyle/>
+            <a:p>
+              <a:pPr algn="ctr"/>
+              <a:endParaRPr lang="ko-KR" altLang="en-US" dirty="0"/>
+            </a:p>
+          </p:txBody>
+        </p:sp>
+        <p:sp>
+          <p:nvSpPr>
+            <p:cNvPr id="12" name="타원 11">
+              <a:extLst>
+                <a:ext uri="{FF2B5EF4-FFF2-40B4-BE49-F238E27FC236}">
+                  <a16:creationId xmlns:a16="http://schemas.microsoft.com/office/drawing/2014/main" id="{726EB07C-22A4-4578-8874-9CB294A6061E}"/>
+                </a:ext>
+              </a:extLst>
+            </p:cNvPr>
+            <p:cNvSpPr/>
+            <p:nvPr/>
+          </p:nvSpPr>
+          <p:spPr>
+            <a:xfrm>
+              <a:off x="3779183" y="5201529"/>
+              <a:ext cx="360000" cy="360000"/>
+            </a:xfrm>
+            <a:prstGeom prst="ellipse">
+              <a:avLst/>
+            </a:prstGeom>
+            <a:ln>
+              <a:noFill/>
+            </a:ln>
+          </p:spPr>
+          <p:style>
+            <a:lnRef idx="2">
+              <a:schemeClr val="accent1">
+                <a:shade val="50000"/>
+              </a:schemeClr>
+            </a:lnRef>
+            <a:fillRef idx="1">
+              <a:schemeClr val="accent1"/>
+            </a:fillRef>
+            <a:effectRef idx="0">
+              <a:schemeClr val="accent1"/>
+            </a:effectRef>
+            <a:fontRef idx="minor">
+              <a:schemeClr val="lt1"/>
+            </a:fontRef>
+          </p:style>
+          <p:txBody>
+            <a:bodyPr rtlCol="0" anchor="ctr"/>
+            <a:lstStyle/>
+            <a:p>
+              <a:pPr algn="ctr"/>
+              <a:endParaRPr lang="ko-KR" altLang="en-US" dirty="0"/>
+            </a:p>
+          </p:txBody>
+        </p:sp>
+        <p:sp>
+          <p:nvSpPr>
+            <p:cNvPr id="13" name="타원 12">
+              <a:extLst>
+                <a:ext uri="{FF2B5EF4-FFF2-40B4-BE49-F238E27FC236}">
+                  <a16:creationId xmlns:a16="http://schemas.microsoft.com/office/drawing/2014/main" id="{F5D98CFB-E87D-4064-A50C-57622542717E}"/>
+                </a:ext>
+              </a:extLst>
+            </p:cNvPr>
+            <p:cNvSpPr/>
+            <p:nvPr/>
+          </p:nvSpPr>
+          <p:spPr>
+            <a:xfrm>
+              <a:off x="4460926" y="4660487"/>
+              <a:ext cx="360000" cy="360000"/>
+            </a:xfrm>
+            <a:prstGeom prst="ellipse">
+              <a:avLst/>
+            </a:prstGeom>
+            <a:ln>
+              <a:noFill/>
+            </a:ln>
+          </p:spPr>
+          <p:style>
+            <a:lnRef idx="2">
+              <a:schemeClr val="accent1">
+                <a:shade val="50000"/>
+              </a:schemeClr>
+            </a:lnRef>
+            <a:fillRef idx="1">
+              <a:schemeClr val="accent1"/>
+            </a:fillRef>
+            <a:effectRef idx="0">
+              <a:schemeClr val="accent1"/>
+            </a:effectRef>
+            <a:fontRef idx="minor">
+              <a:schemeClr val="lt1"/>
+            </a:fontRef>
+          </p:style>
+          <p:txBody>
+            <a:bodyPr rtlCol="0" anchor="ctr"/>
+            <a:lstStyle/>
+            <a:p>
+              <a:pPr algn="ctr"/>
+              <a:endParaRPr lang="ko-KR" altLang="en-US" dirty="0"/>
+            </a:p>
+          </p:txBody>
+        </p:sp>
+        <p:sp>
+          <p:nvSpPr>
+            <p:cNvPr id="14" name="타원 13">
+              <a:extLst>
+                <a:ext uri="{FF2B5EF4-FFF2-40B4-BE49-F238E27FC236}">
+                  <a16:creationId xmlns:a16="http://schemas.microsoft.com/office/drawing/2014/main" id="{6EEA40A4-DB63-4B1B-BC34-64DC9EB163A7}"/>
+                </a:ext>
+              </a:extLst>
+            </p:cNvPr>
+            <p:cNvSpPr/>
+            <p:nvPr/>
+          </p:nvSpPr>
+          <p:spPr>
+            <a:xfrm>
+              <a:off x="3239183" y="5293776"/>
+              <a:ext cx="360000" cy="360000"/>
+            </a:xfrm>
+            <a:prstGeom prst="ellipse">
+              <a:avLst/>
+            </a:prstGeom>
+            <a:ln>
+              <a:noFill/>
+            </a:ln>
+          </p:spPr>
+          <p:style>
+            <a:lnRef idx="2">
+              <a:schemeClr val="accent1">
+                <a:shade val="50000"/>
+              </a:schemeClr>
+            </a:lnRef>
+            <a:fillRef idx="1">
+              <a:schemeClr val="accent1"/>
+            </a:fillRef>
+            <a:effectRef idx="0">
+              <a:schemeClr val="accent1"/>
+            </a:effectRef>
+            <a:fontRef idx="minor">
+              <a:schemeClr val="lt1"/>
+            </a:fontRef>
+          </p:style>
+          <p:txBody>
+            <a:bodyPr rtlCol="0" anchor="ctr"/>
+            <a:lstStyle/>
+            <a:p>
+              <a:pPr algn="ctr"/>
+              <a:endParaRPr lang="ko-KR" altLang="en-US" dirty="0"/>
+            </a:p>
+          </p:txBody>
+        </p:sp>
+        <p:sp>
+          <p:nvSpPr>
+            <p:cNvPr id="15" name="타원 14">
+              <a:extLst>
+                <a:ext uri="{FF2B5EF4-FFF2-40B4-BE49-F238E27FC236}">
+                  <a16:creationId xmlns:a16="http://schemas.microsoft.com/office/drawing/2014/main" id="{1C73F1A8-C8A0-44FB-B3AA-C93DC9D6D898}"/>
+                </a:ext>
+              </a:extLst>
+            </p:cNvPr>
+            <p:cNvSpPr/>
+            <p:nvPr/>
+          </p:nvSpPr>
+          <p:spPr>
+            <a:xfrm>
+              <a:off x="3419183" y="4594061"/>
+              <a:ext cx="360000" cy="360000"/>
+            </a:xfrm>
+            <a:prstGeom prst="ellipse">
+              <a:avLst/>
+            </a:prstGeom>
+            <a:ln>
+              <a:noFill/>
+            </a:ln>
+          </p:spPr>
+          <p:style>
+            <a:lnRef idx="2">
+              <a:schemeClr val="accent1">
+                <a:shade val="50000"/>
+              </a:schemeClr>
+            </a:lnRef>
+            <a:fillRef idx="1">
+              <a:schemeClr val="accent1"/>
+            </a:fillRef>
+            <a:effectRef idx="0">
+              <a:schemeClr val="accent1"/>
+            </a:effectRef>
+            <a:fontRef idx="minor">
+              <a:schemeClr val="lt1"/>
+            </a:fontRef>
+          </p:style>
+          <p:txBody>
+            <a:bodyPr rtlCol="0" anchor="ctr"/>
+            <a:lstStyle/>
+            <a:p>
+              <a:pPr algn="ctr"/>
+              <a:endParaRPr lang="ko-KR" altLang="en-US" dirty="0"/>
+            </a:p>
+          </p:txBody>
+        </p:sp>
+        <p:sp>
+          <p:nvSpPr>
+            <p:cNvPr id="16" name="타원 15">
+              <a:extLst>
+                <a:ext uri="{FF2B5EF4-FFF2-40B4-BE49-F238E27FC236}">
+                  <a16:creationId xmlns:a16="http://schemas.microsoft.com/office/drawing/2014/main" id="{592BDBA4-FD7B-4625-9F33-A2BC441EF6B6}"/>
+                </a:ext>
+              </a:extLst>
+            </p:cNvPr>
+            <p:cNvSpPr/>
+            <p:nvPr/>
+          </p:nvSpPr>
+          <p:spPr>
+            <a:xfrm>
+              <a:off x="4946840" y="5113776"/>
+              <a:ext cx="360000" cy="360000"/>
+            </a:xfrm>
+            <a:prstGeom prst="ellipse">
+              <a:avLst/>
+            </a:prstGeom>
+            <a:ln>
+              <a:noFill/>
+            </a:ln>
+          </p:spPr>
+          <p:style>
+            <a:lnRef idx="2">
+              <a:schemeClr val="accent1">
+                <a:shade val="50000"/>
+              </a:schemeClr>
+            </a:lnRef>
+            <a:fillRef idx="1">
+              <a:schemeClr val="accent1"/>
+            </a:fillRef>
+            <a:effectRef idx="0">
+              <a:schemeClr val="accent1"/>
+            </a:effectRef>
+            <a:fontRef idx="minor">
+              <a:schemeClr val="lt1"/>
+            </a:fontRef>
+          </p:style>
+          <p:txBody>
+            <a:bodyPr rtlCol="0" anchor="ctr"/>
+            <a:lstStyle/>
+            <a:p>
+              <a:pPr algn="ctr"/>
+              <a:endParaRPr lang="ko-KR" altLang="en-US" dirty="0"/>
+            </a:p>
+          </p:txBody>
+        </p:sp>
+        <p:sp>
+          <p:nvSpPr>
+            <p:cNvPr id="17" name="타원 16">
+              <a:extLst>
+                <a:ext uri="{FF2B5EF4-FFF2-40B4-BE49-F238E27FC236}">
+                  <a16:creationId xmlns:a16="http://schemas.microsoft.com/office/drawing/2014/main" id="{223A2D91-29F0-4E1A-AB7E-534FDF6A263C}"/>
+                </a:ext>
+              </a:extLst>
+            </p:cNvPr>
+            <p:cNvSpPr/>
+            <p:nvPr/>
+          </p:nvSpPr>
+          <p:spPr>
+            <a:xfrm>
+              <a:off x="4361183" y="3832387"/>
+              <a:ext cx="360000" cy="360000"/>
+            </a:xfrm>
+            <a:prstGeom prst="ellipse">
+              <a:avLst/>
+            </a:prstGeom>
+            <a:ln>
+              <a:noFill/>
+            </a:ln>
+          </p:spPr>
+          <p:style>
+            <a:lnRef idx="2">
+              <a:schemeClr val="accent1">
+                <a:shade val="50000"/>
+              </a:schemeClr>
+            </a:lnRef>
+            <a:fillRef idx="1">
+              <a:schemeClr val="accent1"/>
+            </a:fillRef>
+            <a:effectRef idx="0">
+              <a:schemeClr val="accent1"/>
+            </a:effectRef>
+            <a:fontRef idx="minor">
+              <a:schemeClr val="lt1"/>
+            </a:fontRef>
+          </p:style>
+          <p:txBody>
+            <a:bodyPr rtlCol="0" anchor="ctr"/>
+            <a:lstStyle/>
+            <a:p>
+              <a:pPr algn="ctr"/>
+              <a:endParaRPr lang="ko-KR" altLang="en-US" dirty="0"/>
+            </a:p>
+          </p:txBody>
+        </p:sp>
+        <p:sp>
+          <p:nvSpPr>
+            <p:cNvPr id="18" name="타원 17">
+              <a:extLst>
+                <a:ext uri="{FF2B5EF4-FFF2-40B4-BE49-F238E27FC236}">
+                  <a16:creationId xmlns:a16="http://schemas.microsoft.com/office/drawing/2014/main" id="{1BC33FB9-14F8-440F-8AF9-2FD7D894011B}"/>
+                </a:ext>
+              </a:extLst>
+            </p:cNvPr>
+            <p:cNvSpPr/>
+            <p:nvPr/>
+          </p:nvSpPr>
+          <p:spPr>
+            <a:xfrm>
+              <a:off x="5028526" y="4320846"/>
+              <a:ext cx="360000" cy="360000"/>
+            </a:xfrm>
+            <a:prstGeom prst="ellipse">
+              <a:avLst/>
+            </a:prstGeom>
+            <a:ln>
+              <a:noFill/>
+            </a:ln>
+          </p:spPr>
+          <p:style>
+            <a:lnRef idx="2">
+              <a:schemeClr val="accent1">
+                <a:shade val="50000"/>
+              </a:schemeClr>
+            </a:lnRef>
+            <a:fillRef idx="1">
+              <a:schemeClr val="accent1"/>
+            </a:fillRef>
+            <a:effectRef idx="0">
+              <a:schemeClr val="accent1"/>
+            </a:effectRef>
+            <a:fontRef idx="minor">
+              <a:schemeClr val="lt1"/>
+            </a:fontRef>
+          </p:style>
+          <p:txBody>
+            <a:bodyPr rtlCol="0" anchor="ctr"/>
+            <a:lstStyle/>
+            <a:p>
+              <a:pPr algn="ctr"/>
+              <a:endParaRPr lang="ko-KR" altLang="en-US" dirty="0"/>
+            </a:p>
+          </p:txBody>
+        </p:sp>
+      </p:grpSp>
+      <p:sp>
+        <p:nvSpPr>
+          <p:cNvPr id="20" name="화살표: 오른쪽 19">
+            <a:extLst>
+              <a:ext uri="{FF2B5EF4-FFF2-40B4-BE49-F238E27FC236}">
+                <a16:creationId xmlns:a16="http://schemas.microsoft.com/office/drawing/2014/main" id="{82C8B392-13C0-451E-AB4B-42D3B07B77CD}"/>
+              </a:ext>
+            </a:extLst>
+          </p:cNvPr>
+          <p:cNvSpPr/>
+          <p:nvPr/>
+        </p:nvSpPr>
+        <p:spPr>
+          <a:xfrm>
+            <a:off x="3426330" y="3875287"/>
+            <a:ext cx="548640" cy="445777"/>
+          </a:xfrm>
+          <a:prstGeom prst="rightArrow">
+            <a:avLst>
+              <a:gd name="adj1" fmla="val 33590"/>
+              <a:gd name="adj2" fmla="val 71333"/>
+            </a:avLst>
+          </a:prstGeom>
+          <a:solidFill>
+            <a:schemeClr val="accent6"/>
+          </a:solidFill>
+          <a:ln>
+            <a:noFill/>
+          </a:ln>
+        </p:spPr>
+        <p:style>
+          <a:lnRef idx="2">
+            <a:schemeClr val="accent1">
+              <a:shade val="50000"/>
+            </a:schemeClr>
+          </a:lnRef>
+          <a:fillRef idx="1">
+            <a:schemeClr val="accent1"/>
+          </a:fillRef>
+          <a:effectRef idx="0">
+            <a:schemeClr val="accent1"/>
+          </a:effectRef>
+          <a:fontRef idx="minor">
+            <a:schemeClr val="lt1"/>
+          </a:fontRef>
+        </p:style>
+        <p:txBody>
+          <a:bodyPr rtlCol="0" anchor="ctr"/>
+          <a:lstStyle/>
+          <a:p>
+            <a:pPr algn="ctr"/>
+            <a:endParaRPr lang="ko-KR" altLang="en-US"/>
+          </a:p>
+        </p:txBody>
+      </p:sp>
+    </p:spTree>
+    <p:extLst>
+      <p:ext uri="{BB962C8B-B14F-4D97-AF65-F5344CB8AC3E}">
+        <p14:creationId xmlns:p14="http://schemas.microsoft.com/office/powerpoint/2010/main" val="3778403256"/>
+      </p:ext>
+    </p:extLst>
+  </p:cSld>
+  <p:clrMapOvr>
+    <a:masterClrMapping/>
+  </p:clrMapOvr>
+</p:sld>
+</file>
+
+<file path=ppt/slides/slide7.xml><?xml version="1.0" encoding="utf-8"?>
+<p:sld xmlns:a="http://schemas.openxmlformats.org/drawingml/2006/main" xmlns:r="http://schemas.openxmlformats.org/officeDocument/2006/relationships" xmlns:p="http://schemas.openxmlformats.org/presentationml/2006/main">
+  <p:cSld>
+    <p:spTree>
+      <p:nvGrpSpPr>
+        <p:cNvPr id="1" name=""/>
+        <p:cNvGrpSpPr/>
+        <p:nvPr/>
+      </p:nvGrpSpPr>
+      <p:grpSpPr>
+        <a:xfrm>
+          <a:off x="0" y="0"/>
+          <a:ext cx="0" cy="0"/>
+          <a:chOff x="0" y="0"/>
+          <a:chExt cx="0" cy="0"/>
+        </a:xfrm>
+      </p:grpSpPr>
+      <p:sp>
+        <p:nvSpPr>
+          <p:cNvPr id="2" name="제목 1">
+            <a:extLst>
+              <a:ext uri="{FF2B5EF4-FFF2-40B4-BE49-F238E27FC236}">
+                <a16:creationId xmlns:a16="http://schemas.microsoft.com/office/drawing/2014/main" id="{E2C8170E-0A20-4946-9909-9263F6BB8CFB}"/>
+              </a:ext>
+            </a:extLst>
+          </p:cNvPr>
+          <p:cNvSpPr>
+            <a:spLocks noGrp="1"/>
+          </p:cNvSpPr>
+          <p:nvPr>
+            <p:ph type="title"/>
+          </p:nvPr>
+        </p:nvSpPr>
+        <p:spPr/>
+        <p:txBody>
+          <a:bodyPr/>
+          <a:lstStyle/>
+          <a:p>
+            <a:r>
+              <a:rPr lang="ko-KR" altLang="en-US" dirty="0"/>
+              <a:t>프로토타입 패턴</a:t>
+            </a:r>
+          </a:p>
+        </p:txBody>
+      </p:sp>
+    </p:spTree>
+    <p:extLst>
+      <p:ext uri="{BB962C8B-B14F-4D97-AF65-F5344CB8AC3E}">
+        <p14:creationId xmlns:p14="http://schemas.microsoft.com/office/powerpoint/2010/main" val="2073885184"/>
+      </p:ext>
+    </p:extLst>
+  </p:cSld>
+  <p:clrMapOvr>
+    <a:masterClrMapping/>
+  </p:clrMapOvr>
+</p:sld>
+</file>
+
+<file path=ppt/slides/slide8.xml><?xml version="1.0" encoding="utf-8"?>
 <p:sld xmlns:a="http://schemas.openxmlformats.org/drawingml/2006/main" xmlns:r="http://schemas.openxmlformats.org/officeDocument/2006/relationships" xmlns:p="http://schemas.openxmlformats.org/presentationml/2006/main">
   <p:cSld>
     <p:bg>
